--- a/docs/diagrams/LogicComponentSequenceDiagram.pptx
+++ b/docs/diagrams/LogicComponentSequenceDiagram.pptx
@@ -208,7 +208,7 @@
           <a:p>
             <a:fld id="{F5CC4B3F-88C1-4FFA-B1B6-F41C21DC6924}" type="datetimeFigureOut">
               <a:rPr lang="en-US" smtClean="0"/>
-              <a:t>2/6/2017</a:t>
+              <a:t>4/10/2017</a:t>
             </a:fld>
             <a:endParaRPr lang="en-US"/>
           </a:p>
@@ -272,38 +272,37 @@
           <a:p>
             <a:pPr lvl="0"/>
             <a:r>
-              <a:rPr lang="en-US" smtClean="0"/>
+              <a:rPr lang="en-US"/>
               <a:t>Click to edit Master text styles</a:t>
             </a:r>
           </a:p>
           <a:p>
             <a:pPr lvl="1"/>
             <a:r>
-              <a:rPr lang="en-US" smtClean="0"/>
+              <a:rPr lang="en-US"/>
               <a:t>Second level</a:t>
             </a:r>
           </a:p>
           <a:p>
             <a:pPr lvl="2"/>
             <a:r>
-              <a:rPr lang="en-US" smtClean="0"/>
+              <a:rPr lang="en-US"/>
               <a:t>Third level</a:t>
             </a:r>
           </a:p>
           <a:p>
             <a:pPr lvl="3"/>
             <a:r>
-              <a:rPr lang="en-US" smtClean="0"/>
+              <a:rPr lang="en-US"/>
               <a:t>Fourth level</a:t>
             </a:r>
           </a:p>
           <a:p>
             <a:pPr lvl="4"/>
             <a:r>
-              <a:rPr lang="en-US" smtClean="0"/>
+              <a:rPr lang="en-US"/>
               <a:t>Fifth level</a:t>
             </a:r>
-            <a:endParaRPr lang="en-US"/>
           </a:p>
         </p:txBody>
       </p:sp>
@@ -514,10 +513,9 @@
           <a:lstStyle/>
           <a:p>
             <a:r>
-              <a:rPr lang="en-US" smtClean="0"/>
+              <a:rPr lang="en-US"/>
               <a:t>Click to edit Master title style</a:t>
             </a:r>
-            <a:endParaRPr lang="en-US"/>
           </a:p>
         </p:txBody>
       </p:sp>
@@ -633,10 +631,9 @@
           </a:lstStyle>
           <a:p>
             <a:r>
-              <a:rPr lang="en-US" smtClean="0"/>
+              <a:rPr lang="en-US"/>
               <a:t>Click to edit Master subtitle style</a:t>
             </a:r>
-            <a:endParaRPr lang="en-US"/>
           </a:p>
         </p:txBody>
       </p:sp>
@@ -657,7 +654,7 @@
           <a:p>
             <a:fld id="{78C97017-6FC3-485B-9764-EAC9E56C1D49}" type="datetimeFigureOut">
               <a:rPr lang="en-US" smtClean="0"/>
-              <a:t>2/6/2017</a:t>
+              <a:t>4/10/2017</a:t>
             </a:fld>
             <a:endParaRPr lang="en-US"/>
           </a:p>
@@ -751,10 +748,9 @@
           <a:lstStyle/>
           <a:p>
             <a:r>
-              <a:rPr lang="en-US" smtClean="0"/>
+              <a:rPr lang="en-US"/>
               <a:t>Click to edit Master title style</a:t>
             </a:r>
-            <a:endParaRPr lang="en-US"/>
           </a:p>
         </p:txBody>
       </p:sp>
@@ -775,38 +771,37 @@
           <a:p>
             <a:pPr lvl="0"/>
             <a:r>
-              <a:rPr lang="en-US" smtClean="0"/>
+              <a:rPr lang="en-US"/>
               <a:t>Click to edit Master text styles</a:t>
             </a:r>
           </a:p>
           <a:p>
             <a:pPr lvl="1"/>
             <a:r>
-              <a:rPr lang="en-US" smtClean="0"/>
+              <a:rPr lang="en-US"/>
               <a:t>Second level</a:t>
             </a:r>
           </a:p>
           <a:p>
             <a:pPr lvl="2"/>
             <a:r>
-              <a:rPr lang="en-US" smtClean="0"/>
+              <a:rPr lang="en-US"/>
               <a:t>Third level</a:t>
             </a:r>
           </a:p>
           <a:p>
             <a:pPr lvl="3"/>
             <a:r>
-              <a:rPr lang="en-US" smtClean="0"/>
+              <a:rPr lang="en-US"/>
               <a:t>Fourth level</a:t>
             </a:r>
           </a:p>
           <a:p>
             <a:pPr lvl="4"/>
             <a:r>
-              <a:rPr lang="en-US" smtClean="0"/>
+              <a:rPr lang="en-US"/>
               <a:t>Fifth level</a:t>
             </a:r>
-            <a:endParaRPr lang="en-US"/>
           </a:p>
         </p:txBody>
       </p:sp>
@@ -827,7 +822,7 @@
           <a:p>
             <a:fld id="{78C97017-6FC3-485B-9764-EAC9E56C1D49}" type="datetimeFigureOut">
               <a:rPr lang="en-US" smtClean="0"/>
-              <a:t>2/6/2017</a:t>
+              <a:t>4/10/2017</a:t>
             </a:fld>
             <a:endParaRPr lang="en-US"/>
           </a:p>
@@ -926,10 +921,9 @@
           <a:lstStyle/>
           <a:p>
             <a:r>
-              <a:rPr lang="en-US" smtClean="0"/>
+              <a:rPr lang="en-US"/>
               <a:t>Click to edit Master title style</a:t>
             </a:r>
-            <a:endParaRPr lang="en-US"/>
           </a:p>
         </p:txBody>
       </p:sp>
@@ -955,38 +949,37 @@
           <a:p>
             <a:pPr lvl="0"/>
             <a:r>
-              <a:rPr lang="en-US" smtClean="0"/>
+              <a:rPr lang="en-US"/>
               <a:t>Click to edit Master text styles</a:t>
             </a:r>
           </a:p>
           <a:p>
             <a:pPr lvl="1"/>
             <a:r>
-              <a:rPr lang="en-US" smtClean="0"/>
+              <a:rPr lang="en-US"/>
               <a:t>Second level</a:t>
             </a:r>
           </a:p>
           <a:p>
             <a:pPr lvl="2"/>
             <a:r>
-              <a:rPr lang="en-US" smtClean="0"/>
+              <a:rPr lang="en-US"/>
               <a:t>Third level</a:t>
             </a:r>
           </a:p>
           <a:p>
             <a:pPr lvl="3"/>
             <a:r>
-              <a:rPr lang="en-US" smtClean="0"/>
+              <a:rPr lang="en-US"/>
               <a:t>Fourth level</a:t>
             </a:r>
           </a:p>
           <a:p>
             <a:pPr lvl="4"/>
             <a:r>
-              <a:rPr lang="en-US" smtClean="0"/>
+              <a:rPr lang="en-US"/>
               <a:t>Fifth level</a:t>
             </a:r>
-            <a:endParaRPr lang="en-US"/>
           </a:p>
         </p:txBody>
       </p:sp>
@@ -1007,7 +1000,7 @@
           <a:p>
             <a:fld id="{78C97017-6FC3-485B-9764-EAC9E56C1D49}" type="datetimeFigureOut">
               <a:rPr lang="en-US" smtClean="0"/>
-              <a:t>2/6/2017</a:t>
+              <a:t>4/10/2017</a:t>
             </a:fld>
             <a:endParaRPr lang="en-US"/>
           </a:p>
@@ -1101,10 +1094,9 @@
           <a:lstStyle/>
           <a:p>
             <a:r>
-              <a:rPr lang="en-US" smtClean="0"/>
+              <a:rPr lang="en-US"/>
               <a:t>Click to edit Master title style</a:t>
             </a:r>
-            <a:endParaRPr lang="en-US"/>
           </a:p>
         </p:txBody>
       </p:sp>
@@ -1125,38 +1117,37 @@
           <a:p>
             <a:pPr lvl="0"/>
             <a:r>
-              <a:rPr lang="en-US" smtClean="0"/>
+              <a:rPr lang="en-US"/>
               <a:t>Click to edit Master text styles</a:t>
             </a:r>
           </a:p>
           <a:p>
             <a:pPr lvl="1"/>
             <a:r>
-              <a:rPr lang="en-US" smtClean="0"/>
+              <a:rPr lang="en-US"/>
               <a:t>Second level</a:t>
             </a:r>
           </a:p>
           <a:p>
             <a:pPr lvl="2"/>
             <a:r>
-              <a:rPr lang="en-US" smtClean="0"/>
+              <a:rPr lang="en-US"/>
               <a:t>Third level</a:t>
             </a:r>
           </a:p>
           <a:p>
             <a:pPr lvl="3"/>
             <a:r>
-              <a:rPr lang="en-US" smtClean="0"/>
+              <a:rPr lang="en-US"/>
               <a:t>Fourth level</a:t>
             </a:r>
           </a:p>
           <a:p>
             <a:pPr lvl="4"/>
             <a:r>
-              <a:rPr lang="en-US" smtClean="0"/>
+              <a:rPr lang="en-US"/>
               <a:t>Fifth level</a:t>
             </a:r>
-            <a:endParaRPr lang="en-US"/>
           </a:p>
         </p:txBody>
       </p:sp>
@@ -1177,7 +1168,7 @@
           <a:p>
             <a:fld id="{78C97017-6FC3-485B-9764-EAC9E56C1D49}" type="datetimeFigureOut">
               <a:rPr lang="en-US" smtClean="0"/>
-              <a:t>2/6/2017</a:t>
+              <a:t>4/10/2017</a:t>
             </a:fld>
             <a:endParaRPr lang="en-US"/>
           </a:p>
@@ -1280,10 +1271,9 @@
           </a:lstStyle>
           <a:p>
             <a:r>
-              <a:rPr lang="en-US" smtClean="0"/>
+              <a:rPr lang="en-US"/>
               <a:t>Click to edit Master title style</a:t>
             </a:r>
-            <a:endParaRPr lang="en-US"/>
           </a:p>
         </p:txBody>
       </p:sp>
@@ -1400,7 +1390,7 @@
           <a:p>
             <a:pPr lvl="0"/>
             <a:r>
-              <a:rPr lang="en-US" smtClean="0"/>
+              <a:rPr lang="en-US"/>
               <a:t>Click to edit Master text styles</a:t>
             </a:r>
           </a:p>
@@ -1423,7 +1413,7 @@
           <a:p>
             <a:fld id="{78C97017-6FC3-485B-9764-EAC9E56C1D49}" type="datetimeFigureOut">
               <a:rPr lang="en-US" smtClean="0"/>
-              <a:t>2/6/2017</a:t>
+              <a:t>4/10/2017</a:t>
             </a:fld>
             <a:endParaRPr lang="en-US"/>
           </a:p>
@@ -1517,10 +1507,9 @@
           <a:lstStyle/>
           <a:p>
             <a:r>
-              <a:rPr lang="en-US" smtClean="0"/>
+              <a:rPr lang="en-US"/>
               <a:t>Click to edit Master title style</a:t>
             </a:r>
-            <a:endParaRPr lang="en-US"/>
           </a:p>
         </p:txBody>
       </p:sp>
@@ -1574,38 +1563,37 @@
           <a:p>
             <a:pPr lvl="0"/>
             <a:r>
-              <a:rPr lang="en-US" smtClean="0"/>
+              <a:rPr lang="en-US"/>
               <a:t>Click to edit Master text styles</a:t>
             </a:r>
           </a:p>
           <a:p>
             <a:pPr lvl="1"/>
             <a:r>
-              <a:rPr lang="en-US" smtClean="0"/>
+              <a:rPr lang="en-US"/>
               <a:t>Second level</a:t>
             </a:r>
           </a:p>
           <a:p>
             <a:pPr lvl="2"/>
             <a:r>
-              <a:rPr lang="en-US" smtClean="0"/>
+              <a:rPr lang="en-US"/>
               <a:t>Third level</a:t>
             </a:r>
           </a:p>
           <a:p>
             <a:pPr lvl="3"/>
             <a:r>
-              <a:rPr lang="en-US" smtClean="0"/>
+              <a:rPr lang="en-US"/>
               <a:t>Fourth level</a:t>
             </a:r>
           </a:p>
           <a:p>
             <a:pPr lvl="4"/>
             <a:r>
-              <a:rPr lang="en-US" smtClean="0"/>
+              <a:rPr lang="en-US"/>
               <a:t>Fifth level</a:t>
             </a:r>
-            <a:endParaRPr lang="en-US"/>
           </a:p>
         </p:txBody>
       </p:sp>
@@ -1659,38 +1647,37 @@
           <a:p>
             <a:pPr lvl="0"/>
             <a:r>
-              <a:rPr lang="en-US" smtClean="0"/>
+              <a:rPr lang="en-US"/>
               <a:t>Click to edit Master text styles</a:t>
             </a:r>
           </a:p>
           <a:p>
             <a:pPr lvl="1"/>
             <a:r>
-              <a:rPr lang="en-US" smtClean="0"/>
+              <a:rPr lang="en-US"/>
               <a:t>Second level</a:t>
             </a:r>
           </a:p>
           <a:p>
             <a:pPr lvl="2"/>
             <a:r>
-              <a:rPr lang="en-US" smtClean="0"/>
+              <a:rPr lang="en-US"/>
               <a:t>Third level</a:t>
             </a:r>
           </a:p>
           <a:p>
             <a:pPr lvl="3"/>
             <a:r>
-              <a:rPr lang="en-US" smtClean="0"/>
+              <a:rPr lang="en-US"/>
               <a:t>Fourth level</a:t>
             </a:r>
           </a:p>
           <a:p>
             <a:pPr lvl="4"/>
             <a:r>
-              <a:rPr lang="en-US" smtClean="0"/>
+              <a:rPr lang="en-US"/>
               <a:t>Fifth level</a:t>
             </a:r>
-            <a:endParaRPr lang="en-US"/>
           </a:p>
         </p:txBody>
       </p:sp>
@@ -1711,7 +1698,7 @@
           <a:p>
             <a:fld id="{78C97017-6FC3-485B-9764-EAC9E56C1D49}" type="datetimeFigureOut">
               <a:rPr lang="en-US" smtClean="0"/>
-              <a:t>2/6/2017</a:t>
+              <a:t>4/10/2017</a:t>
             </a:fld>
             <a:endParaRPr lang="en-US"/>
           </a:p>
@@ -1809,10 +1796,9 @@
           </a:lstStyle>
           <a:p>
             <a:r>
-              <a:rPr lang="en-US" smtClean="0"/>
+              <a:rPr lang="en-US"/>
               <a:t>Click to edit Master title style</a:t>
             </a:r>
-            <a:endParaRPr lang="en-US"/>
           </a:p>
         </p:txBody>
       </p:sp>
@@ -1875,7 +1861,7 @@
           <a:p>
             <a:pPr lvl="0"/>
             <a:r>
-              <a:rPr lang="en-US" smtClean="0"/>
+              <a:rPr lang="en-US"/>
               <a:t>Click to edit Master text styles</a:t>
             </a:r>
           </a:p>
@@ -1931,38 +1917,37 @@
           <a:p>
             <a:pPr lvl="0"/>
             <a:r>
-              <a:rPr lang="en-US" smtClean="0"/>
+              <a:rPr lang="en-US"/>
               <a:t>Click to edit Master text styles</a:t>
             </a:r>
           </a:p>
           <a:p>
             <a:pPr lvl="1"/>
             <a:r>
-              <a:rPr lang="en-US" smtClean="0"/>
+              <a:rPr lang="en-US"/>
               <a:t>Second level</a:t>
             </a:r>
           </a:p>
           <a:p>
             <a:pPr lvl="2"/>
             <a:r>
-              <a:rPr lang="en-US" smtClean="0"/>
+              <a:rPr lang="en-US"/>
               <a:t>Third level</a:t>
             </a:r>
           </a:p>
           <a:p>
             <a:pPr lvl="3"/>
             <a:r>
-              <a:rPr lang="en-US" smtClean="0"/>
+              <a:rPr lang="en-US"/>
               <a:t>Fourth level</a:t>
             </a:r>
           </a:p>
           <a:p>
             <a:pPr lvl="4"/>
             <a:r>
-              <a:rPr lang="en-US" smtClean="0"/>
+              <a:rPr lang="en-US"/>
               <a:t>Fifth level</a:t>
             </a:r>
-            <a:endParaRPr lang="en-US"/>
           </a:p>
         </p:txBody>
       </p:sp>
@@ -2025,7 +2010,7 @@
           <a:p>
             <a:pPr lvl="0"/>
             <a:r>
-              <a:rPr lang="en-US" smtClean="0"/>
+              <a:rPr lang="en-US"/>
               <a:t>Click to edit Master text styles</a:t>
             </a:r>
           </a:p>
@@ -2081,38 +2066,37 @@
           <a:p>
             <a:pPr lvl="0"/>
             <a:r>
-              <a:rPr lang="en-US" smtClean="0"/>
+              <a:rPr lang="en-US"/>
               <a:t>Click to edit Master text styles</a:t>
             </a:r>
           </a:p>
           <a:p>
             <a:pPr lvl="1"/>
             <a:r>
-              <a:rPr lang="en-US" smtClean="0"/>
+              <a:rPr lang="en-US"/>
               <a:t>Second level</a:t>
             </a:r>
           </a:p>
           <a:p>
             <a:pPr lvl="2"/>
             <a:r>
-              <a:rPr lang="en-US" smtClean="0"/>
+              <a:rPr lang="en-US"/>
               <a:t>Third level</a:t>
             </a:r>
           </a:p>
           <a:p>
             <a:pPr lvl="3"/>
             <a:r>
-              <a:rPr lang="en-US" smtClean="0"/>
+              <a:rPr lang="en-US"/>
               <a:t>Fourth level</a:t>
             </a:r>
           </a:p>
           <a:p>
             <a:pPr lvl="4"/>
             <a:r>
-              <a:rPr lang="en-US" smtClean="0"/>
+              <a:rPr lang="en-US"/>
               <a:t>Fifth level</a:t>
             </a:r>
-            <a:endParaRPr lang="en-US"/>
           </a:p>
         </p:txBody>
       </p:sp>
@@ -2133,7 +2117,7 @@
           <a:p>
             <a:fld id="{78C97017-6FC3-485B-9764-EAC9E56C1D49}" type="datetimeFigureOut">
               <a:rPr lang="en-US" smtClean="0"/>
-              <a:t>2/6/2017</a:t>
+              <a:t>4/10/2017</a:t>
             </a:fld>
             <a:endParaRPr lang="en-US"/>
           </a:p>
@@ -2227,10 +2211,9 @@
           <a:lstStyle/>
           <a:p>
             <a:r>
-              <a:rPr lang="en-US" smtClean="0"/>
+              <a:rPr lang="en-US"/>
               <a:t>Click to edit Master title style</a:t>
             </a:r>
-            <a:endParaRPr lang="en-US"/>
           </a:p>
         </p:txBody>
       </p:sp>
@@ -2251,7 +2234,7 @@
           <a:p>
             <a:fld id="{78C97017-6FC3-485B-9764-EAC9E56C1D49}" type="datetimeFigureOut">
               <a:rPr lang="en-US" smtClean="0"/>
-              <a:t>2/6/2017</a:t>
+              <a:t>4/10/2017</a:t>
             </a:fld>
             <a:endParaRPr lang="en-US"/>
           </a:p>
@@ -2346,7 +2329,7 @@
           <a:p>
             <a:fld id="{78C97017-6FC3-485B-9764-EAC9E56C1D49}" type="datetimeFigureOut">
               <a:rPr lang="en-US" smtClean="0"/>
-              <a:t>2/6/2017</a:t>
+              <a:t>4/10/2017</a:t>
             </a:fld>
             <a:endParaRPr lang="en-US"/>
           </a:p>
@@ -2449,10 +2432,9 @@
           </a:lstStyle>
           <a:p>
             <a:r>
-              <a:rPr lang="en-US" smtClean="0"/>
+              <a:rPr lang="en-US"/>
               <a:t>Click to edit Master title style</a:t>
             </a:r>
-            <a:endParaRPr lang="en-US"/>
           </a:p>
         </p:txBody>
       </p:sp>
@@ -2506,38 +2488,37 @@
           <a:p>
             <a:pPr lvl="0"/>
             <a:r>
-              <a:rPr lang="en-US" smtClean="0"/>
+              <a:rPr lang="en-US"/>
               <a:t>Click to edit Master text styles</a:t>
             </a:r>
           </a:p>
           <a:p>
             <a:pPr lvl="1"/>
             <a:r>
-              <a:rPr lang="en-US" smtClean="0"/>
+              <a:rPr lang="en-US"/>
               <a:t>Second level</a:t>
             </a:r>
           </a:p>
           <a:p>
             <a:pPr lvl="2"/>
             <a:r>
-              <a:rPr lang="en-US" smtClean="0"/>
+              <a:rPr lang="en-US"/>
               <a:t>Third level</a:t>
             </a:r>
           </a:p>
           <a:p>
             <a:pPr lvl="3"/>
             <a:r>
-              <a:rPr lang="en-US" smtClean="0"/>
+              <a:rPr lang="en-US"/>
               <a:t>Fourth level</a:t>
             </a:r>
           </a:p>
           <a:p>
             <a:pPr lvl="4"/>
             <a:r>
-              <a:rPr lang="en-US" smtClean="0"/>
+              <a:rPr lang="en-US"/>
               <a:t>Fifth level</a:t>
             </a:r>
-            <a:endParaRPr lang="en-US"/>
           </a:p>
         </p:txBody>
       </p:sp>
@@ -2600,7 +2581,7 @@
           <a:p>
             <a:pPr lvl="0"/>
             <a:r>
-              <a:rPr lang="en-US" smtClean="0"/>
+              <a:rPr lang="en-US"/>
               <a:t>Click to edit Master text styles</a:t>
             </a:r>
           </a:p>
@@ -2623,7 +2604,7 @@
           <a:p>
             <a:fld id="{78C97017-6FC3-485B-9764-EAC9E56C1D49}" type="datetimeFigureOut">
               <a:rPr lang="en-US" smtClean="0"/>
-              <a:t>2/6/2017</a:t>
+              <a:t>4/10/2017</a:t>
             </a:fld>
             <a:endParaRPr lang="en-US"/>
           </a:p>
@@ -2726,10 +2707,9 @@
           </a:lstStyle>
           <a:p>
             <a:r>
-              <a:rPr lang="en-US" smtClean="0"/>
+              <a:rPr lang="en-US"/>
               <a:t>Click to edit Master title style</a:t>
             </a:r>
-            <a:endParaRPr lang="en-US"/>
           </a:p>
         </p:txBody>
       </p:sp>
@@ -2853,7 +2833,7 @@
           <a:p>
             <a:pPr lvl="0"/>
             <a:r>
-              <a:rPr lang="en-US" smtClean="0"/>
+              <a:rPr lang="en-US"/>
               <a:t>Click to edit Master text styles</a:t>
             </a:r>
           </a:p>
@@ -2876,7 +2856,7 @@
           <a:p>
             <a:fld id="{78C97017-6FC3-485B-9764-EAC9E56C1D49}" type="datetimeFigureOut">
               <a:rPr lang="en-US" smtClean="0"/>
-              <a:t>2/6/2017</a:t>
+              <a:t>4/10/2017</a:t>
             </a:fld>
             <a:endParaRPr lang="en-US"/>
           </a:p>
@@ -2985,10 +2965,9 @@
           <a:lstStyle/>
           <a:p>
             <a:r>
-              <a:rPr lang="en-US" smtClean="0"/>
+              <a:rPr lang="en-US"/>
               <a:t>Click to edit Master title style</a:t>
             </a:r>
-            <a:endParaRPr lang="en-US"/>
           </a:p>
         </p:txBody>
       </p:sp>
@@ -3019,38 +2998,37 @@
           <a:p>
             <a:pPr lvl="0"/>
             <a:r>
-              <a:rPr lang="en-US" smtClean="0"/>
+              <a:rPr lang="en-US"/>
               <a:t>Click to edit Master text styles</a:t>
             </a:r>
           </a:p>
           <a:p>
             <a:pPr lvl="1"/>
             <a:r>
-              <a:rPr lang="en-US" smtClean="0"/>
+              <a:rPr lang="en-US"/>
               <a:t>Second level</a:t>
             </a:r>
           </a:p>
           <a:p>
             <a:pPr lvl="2"/>
             <a:r>
-              <a:rPr lang="en-US" smtClean="0"/>
+              <a:rPr lang="en-US"/>
               <a:t>Third level</a:t>
             </a:r>
           </a:p>
           <a:p>
             <a:pPr lvl="3"/>
             <a:r>
-              <a:rPr lang="en-US" smtClean="0"/>
+              <a:rPr lang="en-US"/>
               <a:t>Fourth level</a:t>
             </a:r>
           </a:p>
           <a:p>
             <a:pPr lvl="4"/>
             <a:r>
-              <a:rPr lang="en-US" smtClean="0"/>
+              <a:rPr lang="en-US"/>
               <a:t>Fifth level</a:t>
             </a:r>
-            <a:endParaRPr lang="en-US"/>
           </a:p>
         </p:txBody>
       </p:sp>
@@ -3089,7 +3067,7 @@
           <a:p>
             <a:fld id="{78C97017-6FC3-485B-9764-EAC9E56C1D49}" type="datetimeFigureOut">
               <a:rPr lang="en-US" smtClean="0"/>
-              <a:t>2/6/2017</a:t>
+              <a:t>4/10/2017</a:t>
             </a:fld>
             <a:endParaRPr lang="en-US"/>
           </a:p>
@@ -3510,7 +3488,7 @@
           <a:lstStyle/>
           <a:p>
             <a:r>
-              <a:rPr lang="en-US" sz="1200" b="1" dirty="0" smtClean="0">
+              <a:rPr lang="en-US" sz="1200" b="1" dirty="0">
                 <a:solidFill>
                   <a:srgbClr val="0070C0"/>
                 </a:solidFill>
@@ -3720,7 +3698,7 @@
           <a:p>
             <a:pPr algn="ctr"/>
             <a:r>
-              <a:rPr lang="en-US" sz="1600" dirty="0" smtClean="0">
+              <a:rPr lang="en-US" sz="1600" dirty="0">
                 <a:solidFill>
                   <a:schemeClr val="bg1"/>
                 </a:solidFill>
@@ -3867,20 +3845,12 @@
           <a:p>
             <a:pPr algn="ctr"/>
             <a:r>
-              <a:rPr lang="en-US" sz="1600" dirty="0" smtClean="0">
+              <a:rPr lang="en-US" sz="1600" dirty="0">
                 <a:solidFill>
                   <a:schemeClr val="bg1"/>
                 </a:solidFill>
               </a:rPr>
               <a:t>d:Delete</a:t>
-            </a:r>
-            <a:r>
-              <a:rPr lang="en-US" sz="1600" dirty="0">
-                <a:solidFill>
-                  <a:schemeClr val="bg1"/>
-                </a:solidFill>
-              </a:rPr>
-              <a:t/>
             </a:r>
             <a:br>
               <a:rPr lang="en-US" sz="1600" dirty="0">
@@ -4087,18 +4057,13 @@
           <a:p>
             <a:pPr algn="r"/>
             <a:r>
-              <a:rPr lang="en-US" sz="1400" dirty="0" smtClean="0">
+              <a:rPr lang="en-US" sz="1400" dirty="0">
                 <a:solidFill>
                   <a:srgbClr val="0070C0"/>
                 </a:solidFill>
               </a:rPr>
               <a:t>execute(“delete 1”)</a:t>
             </a:r>
-            <a:endParaRPr lang="en-US" sz="1400" dirty="0">
-              <a:solidFill>
-                <a:srgbClr val="0070C0"/>
-              </a:solidFill>
-            </a:endParaRPr>
           </a:p>
         </p:txBody>
       </p:sp>
@@ -4686,26 +4651,21 @@
           </a:lstStyle>
           <a:p>
             <a:r>
-              <a:rPr lang="en-US" dirty="0" err="1" smtClean="0">
+              <a:rPr lang="en-US" dirty="0" err="1">
                 <a:solidFill>
                   <a:srgbClr val="7030A0"/>
                 </a:solidFill>
               </a:rPr>
-              <a:t>deletePerson</a:t>
-            </a:r>
-            <a:r>
-              <a:rPr lang="en-US" dirty="0" smtClean="0">
+              <a:t>deleteTask</a:t>
+            </a:r>
+            <a:r>
+              <a:rPr lang="en-US" dirty="0">
                 <a:solidFill>
                   <a:srgbClr val="7030A0"/>
                 </a:solidFill>
               </a:rPr>
               <a:t>(p)</a:t>
             </a:r>
-            <a:endParaRPr lang="en-US" dirty="0">
-              <a:solidFill>
-                <a:srgbClr val="7030A0"/>
-              </a:solidFill>
-            </a:endParaRPr>
           </a:p>
         </p:txBody>
       </p:sp>
@@ -4744,13 +4704,8 @@
           <a:p>
             <a:r>
               <a:rPr lang="en-US" sz="1200" dirty="0"/>
-              <a:t>p</a:t>
-            </a:r>
-            <a:r>
-              <a:rPr lang="en-US" sz="1200" dirty="0" smtClean="0"/>
-              <a:t>arse(“1”)</a:t>
-            </a:r>
-            <a:endParaRPr lang="en-US" sz="1200" dirty="0"/>
+              <a:t>parse(“1”)</a:t>
+            </a:r>
           </a:p>
         </p:txBody>
       </p:sp>
@@ -4788,10 +4743,9 @@
           </a:lstStyle>
           <a:p>
             <a:r>
-              <a:rPr lang="en-US" dirty="0" smtClean="0"/>
+              <a:rPr lang="en-US" dirty="0"/>
               <a:t>parse(“delete 1”)</a:t>
             </a:r>
-            <a:endParaRPr lang="en-US" dirty="0"/>
           </a:p>
         </p:txBody>
       </p:sp>
@@ -4829,10 +4783,9 @@
           </a:lstStyle>
           <a:p>
             <a:r>
-              <a:rPr lang="en-US" dirty="0" smtClean="0"/>
+              <a:rPr lang="en-US" dirty="0"/>
               <a:t>result</a:t>
             </a:r>
-            <a:endParaRPr lang="en-US" dirty="0"/>
           </a:p>
         </p:txBody>
       </p:sp>
@@ -4870,10 +4823,9 @@
           </a:lstStyle>
           <a:p>
             <a:r>
-              <a:rPr lang="en-US" dirty="0" smtClean="0"/>
+              <a:rPr lang="en-US" dirty="0"/>
               <a:t>result</a:t>
             </a:r>
-            <a:endParaRPr lang="en-US" dirty="0"/>
           </a:p>
         </p:txBody>
       </p:sp>
@@ -4921,7 +4873,7 @@
           <a:p>
             <a:pPr algn="ctr"/>
             <a:r>
-              <a:rPr lang="en-US" sz="1600" dirty="0" err="1" smtClean="0">
+              <a:rPr lang="en-US" sz="1600" dirty="0" err="1">
                 <a:solidFill>
                   <a:schemeClr val="bg1"/>
                 </a:solidFill>
@@ -4929,7 +4881,7 @@
               <a:t>result:Command</a:t>
             </a:r>
             <a:r>
-              <a:rPr lang="en-US" sz="1600" dirty="0" smtClean="0">
+              <a:rPr lang="en-US" sz="1600" dirty="0">
                 <a:solidFill>
                   <a:schemeClr val="bg1"/>
                 </a:solidFill>
@@ -5063,10 +5015,9 @@
           </a:lstStyle>
           <a:p>
             <a:r>
-              <a:rPr lang="en-US" dirty="0" smtClean="0"/>
+              <a:rPr lang="en-US" dirty="0"/>
               <a:t>d</a:t>
             </a:r>
-            <a:endParaRPr lang="en-US" dirty="0"/>
           </a:p>
         </p:txBody>
       </p:sp>
@@ -5114,7 +5065,7 @@
           <a:p>
             <a:pPr algn="ctr"/>
             <a:r>
-              <a:rPr lang="en-US" sz="1600" dirty="0" smtClean="0">
+              <a:rPr lang="en-US" sz="1600" dirty="0">
                 <a:solidFill>
                   <a:schemeClr val="bg1"/>
                 </a:solidFill>
@@ -5122,14 +5073,14 @@
               <a:t>:</a:t>
             </a:r>
             <a:r>
-              <a:rPr lang="en-US" sz="1600" dirty="0" err="1" smtClean="0">
+              <a:rPr lang="en-US" sz="1600" dirty="0" err="1">
                 <a:solidFill>
                   <a:schemeClr val="bg1"/>
                 </a:solidFill>
               </a:rPr>
               <a:t>DeleteCommand</a:t>
             </a:r>
-            <a:endParaRPr lang="en-US" sz="1600" dirty="0" smtClean="0">
+            <a:endParaRPr lang="en-US" sz="1600" dirty="0">
               <a:solidFill>
                 <a:schemeClr val="bg1"/>
               </a:solidFill>
@@ -5138,7 +5089,7 @@
           <a:p>
             <a:pPr algn="ctr"/>
             <a:r>
-              <a:rPr lang="en-US" sz="1600" dirty="0" smtClean="0">
+              <a:rPr lang="en-US" sz="1600" dirty="0">
                 <a:solidFill>
                   <a:schemeClr val="bg1"/>
                 </a:solidFill>
@@ -5489,18 +5440,13 @@
           <a:lstStyle/>
           <a:p>
             <a:r>
-              <a:rPr lang="en-SG" sz="1100" dirty="0" smtClean="0">
+              <a:rPr lang="en-SG" sz="1100" dirty="0">
                 <a:solidFill>
                   <a:srgbClr val="002060"/>
                 </a:solidFill>
               </a:rPr>
               <a:t>X</a:t>
             </a:r>
-            <a:endParaRPr lang="en-SG" sz="1100" dirty="0">
-              <a:solidFill>
-                <a:srgbClr val="002060"/>
-              </a:solidFill>
-            </a:endParaRPr>
           </a:p>
         </p:txBody>
       </p:sp>
